--- a/module_4/module4.pptx
+++ b/module_4/module4.pptx
@@ -112,6 +112,11 @@
       </a:defRPr>
     </a:lvl9pPr>
   </p:defaultTextStyle>
+  <p:extLst>
+    <p:ext uri="{EFAFB233-063F-42B5-8137-9DF3F51BA10A}">
+      <p15:sldGuideLst xmlns:p15="http://schemas.microsoft.com/office/powerpoint/2012/main"/>
+    </p:ext>
+  </p:extLst>
 </p:presentation>
 </file>
 
@@ -246,7 +251,7 @@
           <a:p>
             <a:fld id="{D7DE5C0D-2F04-430D-8801-ECDC32FB7CA6}" type="datetimeFigureOut">
               <a:rPr lang="ru-RU" smtClean="0"/>
-              <a:t>28.05.2022</a:t>
+              <a:t>08.06.2022</a:t>
             </a:fld>
             <a:endParaRPr lang="ru-RU"/>
           </a:p>
@@ -416,7 +421,7 @@
           <a:p>
             <a:fld id="{D7DE5C0D-2F04-430D-8801-ECDC32FB7CA6}" type="datetimeFigureOut">
               <a:rPr lang="ru-RU" smtClean="0"/>
-              <a:t>28.05.2022</a:t>
+              <a:t>08.06.2022</a:t>
             </a:fld>
             <a:endParaRPr lang="ru-RU"/>
           </a:p>
@@ -596,7 +601,7 @@
           <a:p>
             <a:fld id="{D7DE5C0D-2F04-430D-8801-ECDC32FB7CA6}" type="datetimeFigureOut">
               <a:rPr lang="ru-RU" smtClean="0"/>
-              <a:t>28.05.2022</a:t>
+              <a:t>08.06.2022</a:t>
             </a:fld>
             <a:endParaRPr lang="ru-RU"/>
           </a:p>
@@ -766,7 +771,7 @@
           <a:p>
             <a:fld id="{D7DE5C0D-2F04-430D-8801-ECDC32FB7CA6}" type="datetimeFigureOut">
               <a:rPr lang="ru-RU" smtClean="0"/>
-              <a:t>28.05.2022</a:t>
+              <a:t>08.06.2022</a:t>
             </a:fld>
             <a:endParaRPr lang="ru-RU"/>
           </a:p>
@@ -1012,7 +1017,7 @@
           <a:p>
             <a:fld id="{D7DE5C0D-2F04-430D-8801-ECDC32FB7CA6}" type="datetimeFigureOut">
               <a:rPr lang="ru-RU" smtClean="0"/>
-              <a:t>28.05.2022</a:t>
+              <a:t>08.06.2022</a:t>
             </a:fld>
             <a:endParaRPr lang="ru-RU"/>
           </a:p>
@@ -1244,7 +1249,7 @@
           <a:p>
             <a:fld id="{D7DE5C0D-2F04-430D-8801-ECDC32FB7CA6}" type="datetimeFigureOut">
               <a:rPr lang="ru-RU" smtClean="0"/>
-              <a:t>28.05.2022</a:t>
+              <a:t>08.06.2022</a:t>
             </a:fld>
             <a:endParaRPr lang="ru-RU"/>
           </a:p>
@@ -1611,7 +1616,7 @@
           <a:p>
             <a:fld id="{D7DE5C0D-2F04-430D-8801-ECDC32FB7CA6}" type="datetimeFigureOut">
               <a:rPr lang="ru-RU" smtClean="0"/>
-              <a:t>28.05.2022</a:t>
+              <a:t>08.06.2022</a:t>
             </a:fld>
             <a:endParaRPr lang="ru-RU"/>
           </a:p>
@@ -1729,7 +1734,7 @@
           <a:p>
             <a:fld id="{D7DE5C0D-2F04-430D-8801-ECDC32FB7CA6}" type="datetimeFigureOut">
               <a:rPr lang="ru-RU" smtClean="0"/>
-              <a:t>28.05.2022</a:t>
+              <a:t>08.06.2022</a:t>
             </a:fld>
             <a:endParaRPr lang="ru-RU"/>
           </a:p>
@@ -1824,7 +1829,7 @@
           <a:p>
             <a:fld id="{D7DE5C0D-2F04-430D-8801-ECDC32FB7CA6}" type="datetimeFigureOut">
               <a:rPr lang="ru-RU" smtClean="0"/>
-              <a:t>28.05.2022</a:t>
+              <a:t>08.06.2022</a:t>
             </a:fld>
             <a:endParaRPr lang="ru-RU"/>
           </a:p>
@@ -2101,7 +2106,7 @@
           <a:p>
             <a:fld id="{D7DE5C0D-2F04-430D-8801-ECDC32FB7CA6}" type="datetimeFigureOut">
               <a:rPr lang="ru-RU" smtClean="0"/>
-              <a:t>28.05.2022</a:t>
+              <a:t>08.06.2022</a:t>
             </a:fld>
             <a:endParaRPr lang="ru-RU"/>
           </a:p>
@@ -2354,7 +2359,7 @@
           <a:p>
             <a:fld id="{D7DE5C0D-2F04-430D-8801-ECDC32FB7CA6}" type="datetimeFigureOut">
               <a:rPr lang="ru-RU" smtClean="0"/>
-              <a:t>28.05.2022</a:t>
+              <a:t>08.06.2022</a:t>
             </a:fld>
             <a:endParaRPr lang="ru-RU"/>
           </a:p>
@@ -2567,7 +2572,7 @@
           <a:p>
             <a:fld id="{D7DE5C0D-2F04-430D-8801-ECDC32FB7CA6}" type="datetimeFigureOut">
               <a:rPr lang="ru-RU" smtClean="0"/>
-              <a:t>28.05.2022</a:t>
+              <a:t>08.06.2022</a:t>
             </a:fld>
             <a:endParaRPr lang="ru-RU"/>
           </a:p>
@@ -3191,7 +3196,15 @@
           <a:p>
             <a:r>
               <a:rPr lang="ru-RU" dirty="0" smtClean="0"/>
-              <a:t>Исходные вектора</a:t>
+              <a:t>Исходные </a:t>
+            </a:r>
+            <a:r>
+              <a:rPr lang="ru-RU" dirty="0" smtClean="0"/>
+              <a:t>вектор</a:t>
+            </a:r>
+            <a:r>
+              <a:rPr lang="ru-RU" dirty="0"/>
+              <a:t>ы</a:t>
             </a:r>
             <a:endParaRPr lang="ru-RU" dirty="0"/>
           </a:p>
@@ -3469,14 +3482,14 @@
       </p:sp>
       <p:pic>
         <p:nvPicPr>
-          <p:cNvPr id="2050" name="Picture 2" descr="https://latex2png.com/pngs/56acae420d18354cb800fdde22fc6174.png"/>
+          <p:cNvPr id="1026" name="Picture 2" descr="https://latex2png.com/pngs/b790336f25ffcf42b5b025ee5b42cdb5.png"/>
           <p:cNvPicPr>
             <a:picLocks noChangeAspect="1" noChangeArrowheads="1"/>
           </p:cNvPicPr>
           <p:nvPr/>
         </p:nvPicPr>
         <p:blipFill>
-          <a:blip r:embed="rId2" cstate="print">
+          <a:blip r:embed="rId2">
             <a:extLst>
               <a:ext uri="{28A0092B-C50C-407E-A947-70E740481C1C}">
                 <a14:useLocalDpi xmlns:a14="http://schemas.microsoft.com/office/drawing/2010/main" val="0"/>
@@ -3490,8 +3503,8 @@
         </p:blipFill>
         <p:spPr bwMode="auto">
           <a:xfrm>
-            <a:off x="838200" y="2275511"/>
-            <a:ext cx="10515600" cy="326401"/>
+            <a:off x="-1701800" y="1589089"/>
+            <a:ext cx="15016514" cy="466108"/>
           </a:xfrm>
           <a:prstGeom prst="rect">
             <a:avLst/>
@@ -3982,7 +3995,7 @@
           <a:bodyPr/>
           <a:lstStyle/>
           <a:p>
-            <a:endParaRPr lang="ru-RU"/>
+            <a:endParaRPr lang="ru-RU" dirty="0"/>
           </a:p>
         </p:txBody>
       </p:sp>
@@ -4029,7 +4042,7 @@
       </p:pic>
       <p:pic>
         <p:nvPicPr>
-          <p:cNvPr id="5124" name="Picture 4" descr="https://latex2png.com/pngs/851642eae4c5a42f58d559d78169dd16.png"/>
+          <p:cNvPr id="2050" name="Picture 2" descr="https://latex2png.com/pngs/c32bfac5aeda4fef581ebc42d7c99cb6.png"/>
           <p:cNvPicPr>
             <a:picLocks noChangeAspect="1" noChangeArrowheads="1"/>
           </p:cNvPicPr>
@@ -4050,8 +4063,8 @@
         </p:blipFill>
         <p:spPr bwMode="auto">
           <a:xfrm>
-            <a:off x="-300039" y="4110831"/>
-            <a:ext cx="12792075" cy="1628776"/>
+            <a:off x="-300039" y="4001294"/>
+            <a:ext cx="12792075" cy="1619251"/>
           </a:xfrm>
           <a:prstGeom prst="rect">
             <a:avLst/>
